--- a/Lab 1 bài giảng.pptx
+++ b/Lab 1 bài giảng.pptx
@@ -15677,12 +15677,6 @@
               <a:ea typeface="Arial" charset="0"/>
             </a:endParaRPr>
           </a:p>
-          <a:p>
-            <a:pPr marL="0" indent="0">
-              <a:buNone/>
-            </a:pPr>
-            <a:endParaRPr lang="en-US" dirty="0"/>
-          </a:p>
         </p:txBody>
       </p:sp>
       <p:sp>
@@ -19830,7 +19824,7 @@
           <a:graphicData uri="http://schemas.openxmlformats.org/presentationml/2006/ole">
             <mc:AlternateContent xmlns:mc="http://schemas.openxmlformats.org/markup-compatibility/2006">
               <mc:Choice xmlns:v="urn:schemas-microsoft-com:vml" Requires="v">
-                <p:oleObj spid="_x0000_s5158" name="Equation" r:id="rId3" imgW="685436" imgH="295211" progId="Equation.DSMT4">
+                <p:oleObj spid="_x0000_s5162" name="Equation" r:id="rId3" imgW="685436" imgH="295211" progId="Equation.DSMT4">
                   <p:embed/>
                 </p:oleObj>
               </mc:Choice>
@@ -19893,7 +19887,7 @@
           <a:graphicData uri="http://schemas.openxmlformats.org/presentationml/2006/ole">
             <mc:AlternateContent xmlns:mc="http://schemas.openxmlformats.org/markup-compatibility/2006">
               <mc:Choice xmlns:v="urn:schemas-microsoft-com:vml" Requires="v">
-                <p:oleObj spid="_x0000_s5159" name="Equation" r:id="rId5" imgW="504452" imgH="219248" progId="Equation.DSMT4">
+                <p:oleObj spid="_x0000_s5163" name="Equation" r:id="rId5" imgW="504452" imgH="219248" progId="Equation.DSMT4">
                   <p:embed/>
                 </p:oleObj>
               </mc:Choice>
@@ -22400,7 +22394,7 @@
           <a:graphicData uri="http://schemas.openxmlformats.org/presentationml/2006/ole">
             <mc:AlternateContent xmlns:mc="http://schemas.openxmlformats.org/markup-compatibility/2006">
               <mc:Choice xmlns:v="urn:schemas-microsoft-com:vml" Requires="v">
-                <p:oleObj spid="_x0000_s6164" name="Equation" r:id="rId3" imgW="1723126" imgH="790588" progId="Equation.DSMT4">
+                <p:oleObj spid="_x0000_s6166" name="Equation" r:id="rId3" imgW="1723126" imgH="790588" progId="Equation.DSMT4">
                   <p:embed/>
                 </p:oleObj>
               </mc:Choice>
@@ -24437,7 +24431,7 @@
           <a:graphicData uri="http://schemas.openxmlformats.org/presentationml/2006/ole">
             <mc:AlternateContent xmlns:mc="http://schemas.openxmlformats.org/markup-compatibility/2006">
               <mc:Choice xmlns:v="urn:schemas-microsoft-com:vml" Requires="v">
-                <p:oleObj spid="_x0000_s9235" name="Equation" r:id="rId4" imgW="609480" imgH="177480" progId="Equation.DSMT4">
+                <p:oleObj spid="_x0000_s9237" name="Equation" r:id="rId4" imgW="609480" imgH="177480" progId="Equation.DSMT4">
                   <p:embed/>
                 </p:oleObj>
               </mc:Choice>
@@ -25166,7 +25160,7 @@
           <a:graphicData uri="http://schemas.openxmlformats.org/presentationml/2006/ole">
             <mc:AlternateContent xmlns:mc="http://schemas.openxmlformats.org/markup-compatibility/2006">
               <mc:Choice xmlns:v="urn:schemas-microsoft-com:vml" Requires="v">
-                <p:oleObj spid="_x0000_s7188" name="Equation" r:id="rId4" imgW="1434960" imgH="545760" progId="Equation.DSMT4">
+                <p:oleObj spid="_x0000_s7190" name="Equation" r:id="rId4" imgW="1434960" imgH="545760" progId="Equation.DSMT4">
                   <p:embed/>
                 </p:oleObj>
               </mc:Choice>
@@ -27951,7 +27945,13 @@
               <a:rPr lang="en-US" altLang="en-US" dirty="0">
                 <a:ea typeface="Arial" charset="0"/>
               </a:rPr>
-              <a:t> </a:t>
+              <a:t> 3 </a:t>
+            </a:r>
+            <a:r>
+              <a:rPr lang="en-US" altLang="en-US">
+                <a:ea typeface="Arial" charset="0"/>
+              </a:rPr>
+              <a:t>cạnh </a:t>
             </a:r>
             <a:r>
               <a:rPr lang="en-US" altLang="en-US" dirty="0" err="1">
@@ -30035,7 +30035,7 @@
           <a:graphicData uri="http://schemas.openxmlformats.org/presentationml/2006/ole">
             <mc:AlternateContent xmlns:mc="http://schemas.openxmlformats.org/markup-compatibility/2006">
               <mc:Choice xmlns:v="urn:schemas-microsoft-com:vml" Requires="v">
-                <p:oleObj spid="_x0000_s10258" name="Equation" r:id="rId4" imgW="1523880" imgH="279360" progId="Equation.DSMT4">
+                <p:oleObj spid="_x0000_s10260" name="Equation" r:id="rId4" imgW="1523880" imgH="279360" progId="Equation.DSMT4">
                   <p:embed/>
                 </p:oleObj>
               </mc:Choice>
@@ -32779,7 +32779,7 @@
           <a:graphicData uri="http://schemas.openxmlformats.org/presentationml/2006/ole">
             <mc:AlternateContent xmlns:mc="http://schemas.openxmlformats.org/markup-compatibility/2006">
               <mc:Choice xmlns:v="urn:schemas-microsoft-com:vml" Requires="v">
-                <p:oleObj spid="_x0000_s12305" name="Equation" r:id="rId4" imgW="1384200" imgH="291960" progId="Equation.DSMT4">
+                <p:oleObj spid="_x0000_s12307" name="Equation" r:id="rId4" imgW="1384200" imgH="291960" progId="Equation.DSMT4">
                   <p:embed/>
                 </p:oleObj>
               </mc:Choice>
